--- a/期中報告_第三組.pptx
+++ b/期中報告_第三組.pptx
@@ -221,7 +221,7 @@
           <a:p>
             <a:fld id="{D2A48B96-639E-45A3-A0BA-2464DFDB1FAA}" type="datetimeFigureOut">
               <a:rPr lang="zh-CN" altLang="en-US" smtClean="0"/>
-              <a:t>2021/5/4</a:t>
+              <a:t>2021/5/6</a:t>
             </a:fld>
             <a:endParaRPr lang="zh-CN" altLang="en-US"/>
           </a:p>
@@ -805,32 +805,35 @@
           <a:lstStyle/>
           <a:p>
             <a:r>
-              <a:rPr lang="zh-TW" altLang="en-US" sz="1400" dirty="0" smtClean="0"/>
+              <a:rPr lang="zh-TW" altLang="en-US" sz="1400" dirty="0"/>
               <a:t>由於</a:t>
             </a:r>
             <a:r>
-              <a:rPr lang="en-US" altLang="zh-TW" sz="1400" dirty="0" smtClean="0"/>
+              <a:rPr lang="en-US" altLang="zh-TW" sz="1400" dirty="0"/>
               <a:t>HOG</a:t>
             </a:r>
             <a:r>
-              <a:rPr lang="zh-TW" altLang="en-US" sz="1400" dirty="0" smtClean="0"/>
+              <a:rPr lang="zh-TW" altLang="en-US" sz="1400" dirty="0"/>
               <a:t>是在影 像的局部方格單元上操作，所以它對影像幾何和光學的形變都能保持很 好的不變性</a:t>
             </a:r>
-            <a:endParaRPr lang="en-US" altLang="zh-TW" sz="1400" dirty="0" smtClean="0"/>
-          </a:p>
-          <a:p>
-            <a:r>
-              <a:rPr lang="zh-TW" altLang="en-US" sz="1400" dirty="0" smtClean="0"/>
+            <a:endParaRPr lang="en-US" altLang="zh-TW" sz="1400" dirty="0"/>
+          </a:p>
+          <a:p>
+            <a:r>
+              <a:rPr lang="zh-TW" altLang="en-US" sz="1400" dirty="0"/>
               <a:t>其次，在粗的空間領域抽樣、精細的方向抽樣以及較強的局部光學正規化等條件下， 只要行人大體上能夠保持直立的姿勢，可以容許行人有一些細微的肢體 動作，這些細微的動作可以被忽略而不影響檢測效果。因此</a:t>
             </a:r>
             <a:r>
-              <a:rPr lang="en-US" altLang="zh-TW" sz="1400" dirty="0" smtClean="0"/>
+              <a:rPr lang="en-US" altLang="zh-TW" sz="1400" dirty="0"/>
               <a:t>HOG</a:t>
             </a:r>
             <a:r>
-              <a:rPr lang="zh-TW" altLang="en-US" sz="1400" dirty="0" smtClean="0"/>
+              <a:rPr lang="zh-TW" altLang="en-US" sz="1400" dirty="0"/>
               <a:t>特徵是 特別適合於做影像中的人體檢測的。</a:t>
             </a:r>
+          </a:p>
+          <a:p>
+            <a:endParaRPr lang="en-US" altLang="zh-TW" dirty="0"/>
           </a:p>
           <a:p>
             <a:endParaRPr lang="zh-TW" altLang="en-US" dirty="0"/>
@@ -923,31 +926,102 @@
           <a:lstStyle/>
           <a:p>
             <a:r>
-              <a:rPr lang="zh-TW" altLang="en-US" sz="1400" dirty="0" smtClean="0"/>
-              <a:t>由於</a:t>
-            </a:r>
-            <a:r>
-              <a:rPr lang="en-US" altLang="zh-TW" sz="1400" dirty="0" smtClean="0"/>
+              <a:rPr lang="en-US" altLang="zh-TW" sz="1400" b="0" i="0" kern="1200" dirty="0">
+                <a:solidFill>
+                  <a:schemeClr val="tx1"/>
+                </a:solidFill>
+                <a:effectLst/>
+                <a:latin typeface="+mn-lt"/>
+                <a:ea typeface="+mn-ea"/>
+                <a:cs typeface="+mn-cs"/>
+              </a:rPr>
+              <a:t>https://www.eettaiwan.com/20180820ta31-real-time-face-detection-and-recognition/</a:t>
+            </a:r>
+          </a:p>
+          <a:p>
+            <a:r>
+              <a:rPr lang="zh-TW" altLang="en-US" sz="1400" b="0" i="0" kern="1200" dirty="0">
+                <a:solidFill>
+                  <a:schemeClr val="tx1"/>
+                </a:solidFill>
+                <a:effectLst/>
+                <a:latin typeface="+mn-lt"/>
+                <a:ea typeface="+mn-ea"/>
+                <a:cs typeface="+mn-cs"/>
+              </a:rPr>
+              <a:t>為了辨識所獲得的臉部，必須擷取臉部的</a:t>
+            </a:r>
+            <a:r>
+              <a:rPr lang="en-US" altLang="zh-TW" sz="1400" b="0" i="0" kern="1200" dirty="0">
+                <a:solidFill>
+                  <a:schemeClr val="tx1"/>
+                </a:solidFill>
+                <a:effectLst/>
+                <a:latin typeface="+mn-lt"/>
+                <a:ea typeface="+mn-ea"/>
+                <a:cs typeface="+mn-cs"/>
+              </a:rPr>
               <a:t>HOG</a:t>
             </a:r>
             <a:r>
-              <a:rPr lang="zh-TW" altLang="en-US" sz="1400" dirty="0" smtClean="0"/>
-              <a:t>是在影 像的局部方格單元上操作，所以它對影像幾何和光學的形變都能保持很 好的不變性</a:t>
-            </a:r>
-            <a:endParaRPr lang="en-US" altLang="zh-TW" sz="1400" dirty="0" smtClean="0"/>
-          </a:p>
-          <a:p>
-            <a:r>
-              <a:rPr lang="zh-TW" altLang="en-US" sz="1400" dirty="0" smtClean="0"/>
-              <a:t>其次，在粗的空間領域抽樣、精細的方向抽樣以及較強的局部光學正規化等條件下， 只要行人大體上能夠保持直立的姿勢，可以容許行人有一些細微的肢體 動作，這些細微的動作可以被忽略而不影響檢測效果。因此</a:t>
-            </a:r>
-            <a:r>
-              <a:rPr lang="en-US" altLang="zh-TW" sz="1400" dirty="0" smtClean="0"/>
-              <a:t>HOG</a:t>
-            </a:r>
-            <a:r>
-              <a:rPr lang="zh-TW" altLang="en-US" sz="1400" dirty="0" smtClean="0"/>
-              <a:t>特徵是 特別適合於做影像中的人體檢測的。</a:t>
+              <a:rPr lang="zh-TW" altLang="en-US" sz="1400" b="0" i="0" kern="1200" dirty="0">
+                <a:solidFill>
+                  <a:schemeClr val="tx1"/>
+                </a:solidFill>
+                <a:effectLst/>
+                <a:latin typeface="+mn-lt"/>
+                <a:ea typeface="+mn-ea"/>
+                <a:cs typeface="+mn-cs"/>
+              </a:rPr>
+              <a:t>特徵向量。然後在</a:t>
+            </a:r>
+            <a:r>
+              <a:rPr lang="en-US" altLang="zh-TW" sz="1400" b="0" i="0" kern="1200" dirty="0">
+                <a:solidFill>
+                  <a:schemeClr val="tx1"/>
+                </a:solidFill>
+                <a:effectLst/>
+                <a:latin typeface="+mn-lt"/>
+                <a:ea typeface="+mn-ea"/>
+                <a:cs typeface="+mn-cs"/>
+              </a:rPr>
+              <a:t>SVM</a:t>
+            </a:r>
+            <a:r>
+              <a:rPr lang="zh-TW" altLang="en-US" sz="1400" b="0" i="0" kern="1200" dirty="0">
+                <a:solidFill>
+                  <a:schemeClr val="tx1"/>
+                </a:solidFill>
+                <a:effectLst/>
+                <a:latin typeface="+mn-lt"/>
+                <a:ea typeface="+mn-ea"/>
+                <a:cs typeface="+mn-cs"/>
+              </a:rPr>
+              <a:t>模型中使用該向量來確定具有每個標籤的輸入向量之匹配分數。</a:t>
+            </a:r>
+            <a:r>
+              <a:rPr lang="en-US" altLang="zh-TW" sz="1400" b="0" i="0" kern="1200" dirty="0">
+                <a:solidFill>
+                  <a:schemeClr val="tx1"/>
+                </a:solidFill>
+                <a:effectLst/>
+                <a:latin typeface="+mn-lt"/>
+                <a:ea typeface="+mn-ea"/>
+                <a:cs typeface="+mn-cs"/>
+              </a:rPr>
+              <a:t>SVM</a:t>
+            </a:r>
+            <a:r>
+              <a:rPr lang="zh-TW" altLang="en-US" sz="1400" b="0" i="0" kern="1200" dirty="0">
+                <a:solidFill>
+                  <a:schemeClr val="tx1"/>
+                </a:solidFill>
+                <a:effectLst/>
+                <a:latin typeface="+mn-lt"/>
+                <a:ea typeface="+mn-ea"/>
+                <a:cs typeface="+mn-cs"/>
+              </a:rPr>
+              <a:t>返回具有最高分數的標籤，這表示對訓練臉部資料內最接近匹配的置信度。</a:t>
             </a:r>
           </a:p>
           <a:p>
@@ -1214,7 +1288,7 @@
           <a:p>
             <a:fld id="{82F288E0-7875-42C4-84C8-98DBBD3BF4D2}" type="datetimeFigureOut">
               <a:rPr lang="zh-CN" altLang="en-US" smtClean="0"/>
-              <a:t>2021/5/4</a:t>
+              <a:t>2021/5/6</a:t>
             </a:fld>
             <a:endParaRPr lang="zh-CN" altLang="en-US"/>
           </a:p>
@@ -1354,7 +1428,7 @@
           <a:p>
             <a:fld id="{82F288E0-7875-42C4-84C8-98DBBD3BF4D2}" type="datetimeFigureOut">
               <a:rPr lang="zh-CN" altLang="en-US" smtClean="0"/>
-              <a:t>2021/5/4</a:t>
+              <a:t>2021/5/6</a:t>
             </a:fld>
             <a:endParaRPr lang="zh-CN" altLang="en-US"/>
           </a:p>
@@ -1467,7 +1541,7 @@
           <a:p>
             <a:fld id="{82F288E0-7875-42C4-84C8-98DBBD3BF4D2}" type="datetimeFigureOut">
               <a:rPr lang="zh-CN" altLang="en-US" smtClean="0"/>
-              <a:t>2021/5/4</a:t>
+              <a:t>2021/5/6</a:t>
             </a:fld>
             <a:endParaRPr lang="zh-CN" altLang="en-US"/>
           </a:p>
@@ -1582,10 +1656,9 @@
           <a:lstStyle/>
           <a:p>
             <a:r>
-              <a:rPr lang="zh-CN" altLang="en-US" smtClean="0"/>
+              <a:rPr lang="zh-CN" altLang="en-US"/>
               <a:t>单击此处编辑母版标题样式</a:t>
             </a:r>
-            <a:endParaRPr lang="zh-CN" altLang="en-US"/>
           </a:p>
         </p:txBody>
       </p:sp>
@@ -1651,10 +1724,9 @@
           <a:lstStyle/>
           <a:p>
             <a:r>
-              <a:rPr lang="zh-CN" altLang="en-US" smtClean="0"/>
+              <a:rPr lang="zh-CN" altLang="en-US"/>
               <a:t>单击此处编辑母版标题样式</a:t>
             </a:r>
-            <a:endParaRPr lang="zh-CN" altLang="en-US"/>
           </a:p>
         </p:txBody>
       </p:sp>
@@ -1720,10 +1792,9 @@
           <a:lstStyle/>
           <a:p>
             <a:r>
-              <a:rPr lang="zh-CN" altLang="en-US" smtClean="0"/>
+              <a:rPr lang="zh-CN" altLang="en-US"/>
               <a:t>单击此处编辑母版标题样式</a:t>
             </a:r>
-            <a:endParaRPr lang="zh-CN" altLang="en-US"/>
           </a:p>
         </p:txBody>
       </p:sp>
@@ -2349,10 +2420,9 @@
           <a:lstStyle/>
           <a:p>
             <a:r>
-              <a:rPr lang="zh-CN" altLang="en-US" smtClean="0"/>
+              <a:rPr lang="zh-CN" altLang="en-US"/>
               <a:t>单击此处编辑母版标题样式</a:t>
             </a:r>
-            <a:endParaRPr lang="zh-CN" altLang="en-US"/>
           </a:p>
         </p:txBody>
       </p:sp>
@@ -2418,10 +2488,9 @@
           <a:lstStyle/>
           <a:p>
             <a:r>
-              <a:rPr lang="zh-CN" altLang="en-US" smtClean="0"/>
+              <a:rPr lang="zh-CN" altLang="en-US"/>
               <a:t>单击此处编辑母版标题样式</a:t>
             </a:r>
-            <a:endParaRPr lang="zh-CN" altLang="en-US"/>
           </a:p>
         </p:txBody>
       </p:sp>
@@ -3844,31 +3913,7 @@
                 <a:cs typeface="+mn-ea"/>
                 <a:sym typeface="+mn-lt"/>
               </a:rPr>
-              <a:t>第三</a:t>
-            </a:r>
-            <a:r>
-              <a:rPr lang="zh-TW" altLang="en-US" sz="2400" dirty="0" smtClean="0">
-                <a:solidFill>
-                  <a:schemeClr val="tx1"/>
-                </a:solidFill>
-                <a:latin typeface="微軟正黑體" panose="020B0604030504040204" pitchFamily="34" charset="-120"/>
-                <a:ea typeface="微軟正黑體" panose="020B0604030504040204" pitchFamily="34" charset="-120"/>
-                <a:cs typeface="+mn-ea"/>
-                <a:sym typeface="+mn-lt"/>
-              </a:rPr>
-              <a:t>組    </a:t>
-            </a:r>
-            <a:r>
-              <a:rPr lang="zh-TW" altLang="en-US" dirty="0" smtClean="0">
-                <a:solidFill>
-                  <a:schemeClr val="tx1"/>
-                </a:solidFill>
-                <a:latin typeface="微軟正黑體" panose="020B0604030504040204" pitchFamily="34" charset="-120"/>
-                <a:ea typeface="微軟正黑體" panose="020B0604030504040204" pitchFamily="34" charset="-120"/>
-                <a:cs typeface="+mn-ea"/>
-                <a:sym typeface="+mn-lt"/>
-              </a:rPr>
-              <a:t>電</a:t>
+              <a:t>第三組    </a:t>
             </a:r>
             <a:r>
               <a:rPr lang="zh-TW" altLang="en-US" dirty="0">
@@ -3880,7 +3925,7 @@
                 <a:cs typeface="+mn-ea"/>
                 <a:sym typeface="+mn-lt"/>
               </a:rPr>
-              <a:t>資二 </a:t>
+              <a:t>電資二 </a:t>
             </a:r>
             <a:r>
               <a:rPr lang="en-US" altLang="zh-TW" dirty="0">
@@ -3904,22 +3949,10 @@
                 <a:cs typeface="+mn-ea"/>
                 <a:sym typeface="+mn-lt"/>
               </a:rPr>
-              <a:t>羅羽</a:t>
-            </a:r>
-            <a:r>
-              <a:rPr lang="zh-TW" altLang="en-US" dirty="0" smtClean="0">
-                <a:solidFill>
-                  <a:schemeClr val="tx1"/>
-                </a:solidFill>
-                <a:latin typeface="微軟正黑體" panose="020B0604030504040204" pitchFamily="34" charset="-120"/>
-                <a:ea typeface="微軟正黑體" panose="020B0604030504040204" pitchFamily="34" charset="-120"/>
-                <a:cs typeface="+mn-ea"/>
-                <a:sym typeface="+mn-lt"/>
-              </a:rPr>
-              <a:t>軒 </a:t>
-            </a:r>
-            <a:r>
-              <a:rPr lang="en-US" altLang="zh-TW" dirty="0" smtClean="0">
+              <a:t>羅羽軒 </a:t>
+            </a:r>
+            <a:r>
+              <a:rPr lang="en-US" altLang="zh-TW" dirty="0">
                 <a:solidFill>
                   <a:schemeClr val="tx1"/>
                 </a:solidFill>
@@ -4468,7 +4501,7 @@
           <a:lstStyle/>
           <a:p>
             <a:r>
-              <a:rPr lang="en-US" altLang="zh-TW" sz="4800" b="1" dirty="0" smtClean="0">
+              <a:rPr lang="en-US" altLang="zh-TW" sz="4800" b="1" dirty="0">
                 <a:effectLst>
                   <a:outerShdw blurRad="38100" dist="38100" dir="2700000" algn="tl">
                     <a:srgbClr val="000000">
@@ -4511,13 +4544,6 @@
   <p:transition advClick="0">
     <p:fade/>
   </p:transition>
-  <p:timing>
-    <p:tnLst>
-      <p:par>
-        <p:cTn id="1" dur="indefinite" restart="never" nodeType="tmRoot"/>
-      </p:par>
-    </p:tnLst>
-  </p:timing>
 </p:sld>
 </file>
 
@@ -4724,7 +4750,7 @@
             <a:lstStyle/>
             <a:p>
               <a:r>
-                <a:rPr lang="en-US" altLang="zh-CN" sz="2400" dirty="0" smtClean="0">
+                <a:rPr lang="en-US" altLang="zh-CN" sz="2400" dirty="0">
                   <a:solidFill>
                     <a:schemeClr val="tx1"/>
                   </a:solidFill>
@@ -4734,7 +4760,7 @@
                 <a:t>01</a:t>
               </a:r>
               <a:r>
-                <a:rPr lang="zh-TW" altLang="en-US" sz="2400" dirty="0" smtClean="0">
+                <a:rPr lang="zh-TW" altLang="en-US" sz="2400" dirty="0">
                   <a:solidFill>
                     <a:schemeClr val="tx1"/>
                   </a:solidFill>
@@ -4836,7 +4862,7 @@
                 <a:t>02 </a:t>
               </a:r>
               <a:r>
-                <a:rPr lang="en-US" altLang="zh-TW" sz="2400" dirty="0" smtClean="0">
+                <a:rPr lang="en-US" altLang="zh-TW" sz="2400" dirty="0">
                   <a:latin typeface="微軟正黑體" panose="020B0604030504040204" pitchFamily="34" charset="-120"/>
                   <a:ea typeface="微軟正黑體" panose="020B0604030504040204" pitchFamily="34" charset="-120"/>
                 </a:rPr>
@@ -4918,7 +4944,7 @@
           <a:p>
             <a:pPr algn="ctr"/>
             <a:r>
-              <a:rPr lang="en-US" altLang="zh-CN" sz="3735" b="1" dirty="0" smtClean="0">
+              <a:rPr lang="en-US" altLang="zh-CN" sz="3735" b="1" dirty="0">
                 <a:solidFill>
                   <a:schemeClr val="tx1"/>
                 </a:solidFill>
@@ -4927,13 +4953,6 @@
               </a:rPr>
               <a:t>CONTENTS</a:t>
             </a:r>
-            <a:endParaRPr lang="en-US" altLang="zh-CN" sz="3735" b="1" dirty="0">
-              <a:solidFill>
-                <a:schemeClr val="tx1"/>
-              </a:solidFill>
-              <a:cs typeface="+mn-ea"/>
-              <a:sym typeface="+mn-lt"/>
-            </a:endParaRPr>
           </a:p>
         </p:txBody>
       </p:sp>
@@ -5504,20 +5523,20 @@
               </a:lnSpc>
             </a:pPr>
             <a:r>
-              <a:rPr lang="en-US" altLang="zh-CN" sz="2000" b="1" dirty="0" smtClean="0">
+              <a:rPr lang="en-US" altLang="zh-CN" sz="2000" b="1" dirty="0">
                 <a:cs typeface="+mn-ea"/>
                 <a:sym typeface="+mn-lt"/>
               </a:rPr>
               <a:t>SIFT+SVM</a:t>
             </a:r>
             <a:r>
-              <a:rPr lang="zh-CN" altLang="en-US" sz="2000" dirty="0" smtClean="0">
+              <a:rPr lang="zh-CN" altLang="en-US" sz="2000" dirty="0">
                 <a:cs typeface="+mn-ea"/>
                 <a:sym typeface="+mn-lt"/>
               </a:rPr>
               <a:t> </a:t>
             </a:r>
-            <a:endParaRPr lang="en-US" altLang="zh-CN" sz="2000" dirty="0" smtClean="0">
+            <a:endParaRPr lang="en-US" altLang="zh-CN" sz="2000" dirty="0">
               <a:cs typeface="+mn-ea"/>
               <a:sym typeface="+mn-lt"/>
             </a:endParaRPr>
@@ -5529,27 +5548,27 @@
               </a:lnSpc>
             </a:pPr>
             <a:r>
-              <a:rPr lang="en-US" altLang="zh-TW" sz="2000" dirty="0" err="1" smtClean="0">
+              <a:rPr lang="en-US" altLang="zh-TW" sz="2000" dirty="0" err="1">
                 <a:cs typeface="+mn-ea"/>
                 <a:sym typeface="+mn-lt"/>
               </a:rPr>
               <a:t>Kmeans</a:t>
             </a:r>
             <a:r>
-              <a:rPr lang="en-US" altLang="zh-TW" sz="2000" dirty="0" smtClean="0">
+              <a:rPr lang="en-US" altLang="zh-TW" sz="2000" dirty="0">
                 <a:cs typeface="+mn-ea"/>
                 <a:sym typeface="+mn-lt"/>
               </a:rPr>
               <a:t> </a:t>
             </a:r>
             <a:r>
-              <a:rPr lang="zh-TW" altLang="en-US" sz="2000" dirty="0" smtClean="0">
+              <a:rPr lang="zh-TW" altLang="en-US" sz="2000" dirty="0">
                 <a:cs typeface="+mn-ea"/>
                 <a:sym typeface="+mn-lt"/>
               </a:rPr>
               <a:t>隨機採樣</a:t>
             </a:r>
-            <a:endParaRPr lang="en-US" altLang="zh-TW" sz="2000" dirty="0" smtClean="0">
+            <a:endParaRPr lang="en-US" altLang="zh-TW" sz="2000" dirty="0">
               <a:cs typeface="+mn-ea"/>
               <a:sym typeface="+mn-lt"/>
             </a:endParaRPr>
@@ -5560,7 +5579,7 @@
                 <a:spcPct val="150000"/>
               </a:lnSpc>
             </a:pPr>
-            <a:endParaRPr lang="en-US" altLang="zh-TW" sz="1600" dirty="0" smtClean="0">
+            <a:endParaRPr lang="en-US" altLang="zh-TW" sz="1600" dirty="0">
               <a:cs typeface="+mn-ea"/>
               <a:sym typeface="+mn-lt"/>
             </a:endParaRPr>
@@ -5941,7 +5960,7 @@
               <a:t> </a:t>
             </a:r>
             <a:r>
-              <a:rPr lang="en-US" altLang="zh-TW" sz="2000" b="1" dirty="0" smtClean="0">
+              <a:rPr lang="en-US" altLang="zh-TW" sz="2000" b="1" dirty="0">
                 <a:cs typeface="+mn-ea"/>
                 <a:sym typeface="+mn-lt"/>
               </a:rPr>
@@ -6005,24 +6024,17 @@
                 <a:cs typeface="+mn-ea"/>
                 <a:sym typeface="+mn-lt"/>
               </a:rPr>
-              <a:t>使用</a:t>
-            </a:r>
-            <a:r>
-              <a:rPr lang="zh-TW" altLang="en-US" sz="3735" dirty="0" smtClean="0">
+              <a:t>使用方法 </a:t>
+            </a:r>
+            <a:r>
+              <a:rPr lang="en-US" altLang="zh-TW" sz="3735" dirty="0">
                 <a:cs typeface="+mn-ea"/>
                 <a:sym typeface="+mn-lt"/>
               </a:rPr>
-              <a:t>方法 </a:t>
-            </a:r>
-            <a:r>
-              <a:rPr lang="en-US" altLang="zh-TW" sz="3735" dirty="0" smtClean="0">
-                <a:cs typeface="+mn-ea"/>
-                <a:sym typeface="+mn-lt"/>
-              </a:rPr>
               <a:t>+</a:t>
             </a:r>
             <a:r>
-              <a:rPr lang="zh-TW" altLang="en-US" sz="3735" dirty="0" smtClean="0">
+              <a:rPr lang="zh-TW" altLang="en-US" sz="3735" dirty="0">
                 <a:cs typeface="+mn-ea"/>
                 <a:sym typeface="+mn-lt"/>
               </a:rPr>
@@ -6070,20 +6082,20 @@
               </a:lnSpc>
             </a:pPr>
             <a:r>
-              <a:rPr lang="en-US" altLang="zh-CN" sz="2000" b="1" dirty="0" smtClean="0">
+              <a:rPr lang="en-US" altLang="zh-CN" sz="2000" b="1" dirty="0">
                 <a:cs typeface="+mn-ea"/>
                 <a:sym typeface="+mn-lt"/>
               </a:rPr>
               <a:t>SIFT+SVM</a:t>
             </a:r>
             <a:r>
-              <a:rPr lang="zh-CN" altLang="en-US" sz="2000" dirty="0" smtClean="0">
+              <a:rPr lang="zh-CN" altLang="en-US" sz="2000" dirty="0">
                 <a:cs typeface="+mn-ea"/>
                 <a:sym typeface="+mn-lt"/>
               </a:rPr>
               <a:t> </a:t>
             </a:r>
-            <a:endParaRPr lang="en-US" altLang="zh-CN" sz="2000" dirty="0" smtClean="0">
+            <a:endParaRPr lang="en-US" altLang="zh-CN" sz="2000" dirty="0">
               <a:cs typeface="+mn-ea"/>
               <a:sym typeface="+mn-lt"/>
             </a:endParaRPr>
@@ -6095,14 +6107,14 @@
               </a:lnSpc>
             </a:pPr>
             <a:r>
-              <a:rPr lang="en-US" altLang="zh-TW" sz="2000" dirty="0" err="1" smtClean="0">
+              <a:rPr lang="en-US" altLang="zh-TW" sz="2000" dirty="0" err="1">
                 <a:cs typeface="+mn-ea"/>
                 <a:sym typeface="+mn-lt"/>
               </a:rPr>
               <a:t>Kmeans</a:t>
             </a:r>
             <a:r>
-              <a:rPr lang="en-US" altLang="zh-TW" sz="2000" dirty="0" smtClean="0">
+              <a:rPr lang="en-US" altLang="zh-TW" sz="2000" dirty="0">
                 <a:cs typeface="+mn-ea"/>
                 <a:sym typeface="+mn-lt"/>
               </a:rPr>
@@ -6113,16 +6125,9 @@
                 <a:cs typeface="+mn-ea"/>
                 <a:sym typeface="+mn-lt"/>
               </a:rPr>
-              <a:t>固定</a:t>
-            </a:r>
-            <a:r>
-              <a:rPr lang="zh-TW" altLang="en-US" sz="2000" dirty="0" smtClean="0">
-                <a:cs typeface="+mn-ea"/>
-                <a:sym typeface="+mn-lt"/>
-              </a:rPr>
-              <a:t>採樣</a:t>
-            </a:r>
-            <a:endParaRPr lang="en-US" altLang="zh-TW" sz="2000" dirty="0" smtClean="0">
+              <a:t>固定採樣</a:t>
+            </a:r>
+            <a:endParaRPr lang="en-US" altLang="zh-TW" sz="2000" dirty="0">
               <a:cs typeface="+mn-ea"/>
               <a:sym typeface="+mn-lt"/>
             </a:endParaRPr>
@@ -6133,7 +6138,7 @@
                 <a:spcPct val="150000"/>
               </a:lnSpc>
             </a:pPr>
-            <a:endParaRPr lang="en-US" altLang="zh-TW" sz="1600" dirty="0" smtClean="0">
+            <a:endParaRPr lang="en-US" altLang="zh-TW" sz="1600" dirty="0">
               <a:cs typeface="+mn-ea"/>
               <a:sym typeface="+mn-lt"/>
             </a:endParaRPr>
@@ -7251,14 +7256,14 @@
           <a:p>
             <a:pPr algn="ctr"/>
             <a:r>
-              <a:rPr lang="en-US" altLang="zh-TW" sz="4400" dirty="0" err="1" smtClean="0">
+              <a:rPr lang="en-US" altLang="zh-TW" sz="4400" dirty="0" err="1">
                 <a:cs typeface="+mn-ea"/>
                 <a:sym typeface="+mn-lt"/>
               </a:rPr>
               <a:t>Kmeans</a:t>
             </a:r>
             <a:r>
-              <a:rPr lang="zh-TW" altLang="en-US" sz="4400" dirty="0" smtClean="0">
+              <a:rPr lang="zh-TW" altLang="en-US" sz="4400" dirty="0">
                 <a:cs typeface="+mn-ea"/>
                 <a:sym typeface="+mn-lt"/>
               </a:rPr>
@@ -7443,16 +7448,12 @@
               <a:t>決定</a:t>
             </a:r>
             <a:r>
-              <a:rPr lang="en-US" altLang="zh-TW" sz="2400" dirty="0" smtClean="0"/>
+              <a:rPr lang="en-US" altLang="zh-TW" sz="2400" dirty="0"/>
               <a:t>k</a:t>
             </a:r>
             <a:r>
-              <a:rPr lang="zh-TW" altLang="en-US" sz="2400" dirty="0" smtClean="0"/>
-              <a:t>群</a:t>
-            </a:r>
-            <a:r>
               <a:rPr lang="zh-TW" altLang="en-US" sz="2400" dirty="0"/>
-              <a:t>。</a:t>
+              <a:t>群。</a:t>
             </a:r>
           </a:p>
           <a:p>
@@ -7466,20 +7467,12 @@
               <a:t>2. </a:t>
             </a:r>
             <a:r>
-              <a:rPr lang="zh-TW" altLang="en-US" sz="2400" dirty="0" smtClean="0">
-                <a:solidFill>
-                  <a:srgbClr val="FF0000"/>
-                </a:solidFill>
-              </a:rPr>
-              <a:t>隨機</a:t>
-            </a:r>
-            <a:r>
               <a:rPr lang="zh-TW" altLang="en-US" sz="2400" dirty="0">
                 <a:solidFill>
                   <a:srgbClr val="FF0000"/>
                 </a:solidFill>
               </a:rPr>
-              <a:t>給</a:t>
+              <a:t>隨機給</a:t>
             </a:r>
             <a:r>
               <a:rPr lang="en-US" altLang="zh-TW" sz="2400" dirty="0">
@@ -7509,20 +7502,16 @@
               <a:t>3. </a:t>
             </a:r>
             <a:r>
-              <a:rPr lang="zh-TW" altLang="en-US" sz="2400" dirty="0" smtClean="0"/>
+              <a:rPr lang="zh-TW" altLang="en-US" sz="2400" dirty="0"/>
               <a:t>計算資料到</a:t>
             </a:r>
             <a:r>
-              <a:rPr lang="en-US" altLang="zh-TW" sz="2400" dirty="0" smtClean="0"/>
+              <a:rPr lang="en-US" altLang="zh-TW" sz="2400" dirty="0"/>
               <a:t>k</a:t>
             </a:r>
             <a:r>
               <a:rPr lang="zh-TW" altLang="en-US" sz="2400" dirty="0"/>
-              <a:t>個群</a:t>
-            </a:r>
-            <a:r>
-              <a:rPr lang="zh-TW" altLang="en-US" sz="2400" dirty="0" smtClean="0"/>
-              <a:t>心的歐式距離</a:t>
+              <a:t>個群心的歐式距離</a:t>
             </a:r>
             <a:endParaRPr lang="en-US" altLang="zh-TW" sz="2400" dirty="0"/>
           </a:p>
@@ -7533,26 +7522,13 @@
               </a:lnSpc>
             </a:pPr>
             <a:r>
-              <a:rPr lang="en-US" altLang="zh-TW" sz="2400" dirty="0" smtClean="0"/>
-              <a:t>4</a:t>
-            </a:r>
-            <a:r>
               <a:rPr lang="en-US" altLang="zh-TW" sz="2400" dirty="0"/>
-              <a:t>. </a:t>
-            </a:r>
-            <a:r>
-              <a:rPr lang="zh-TW" altLang="en-US" sz="2400" dirty="0" smtClean="0"/>
-              <a:t>將資料分類給</a:t>
+              <a:t>4. </a:t>
             </a:r>
             <a:r>
               <a:rPr lang="zh-TW" altLang="en-US" sz="2400" dirty="0"/>
-              <a:t>距離最近的那個群心</a:t>
-            </a:r>
-            <a:r>
-              <a:rPr lang="zh-TW" altLang="en-US" sz="2400" dirty="0" smtClean="0"/>
-              <a:t>。</a:t>
-            </a:r>
-            <a:endParaRPr lang="zh-TW" altLang="en-US" sz="2400" dirty="0"/>
+              <a:t>將資料分類給距離最近的那個群心。</a:t>
+            </a:r>
           </a:p>
         </p:txBody>
       </p:sp>
@@ -8000,7 +7976,7 @@
           <a:p>
             <a:pPr algn="ctr"/>
             <a:r>
-              <a:rPr lang="en-US" altLang="zh-TW" sz="4000" dirty="0" err="1" smtClean="0">
+              <a:rPr lang="en-US" altLang="zh-TW" sz="4000" dirty="0" err="1">
                 <a:cs typeface="+mn-ea"/>
                 <a:sym typeface="+mn-lt"/>
               </a:rPr>
@@ -8633,20 +8609,20 @@
               </a:lnSpc>
             </a:pPr>
             <a:r>
-              <a:rPr lang="en-US" altLang="zh-CN" sz="2000" b="1" dirty="0" smtClean="0">
+              <a:rPr lang="en-US" altLang="zh-CN" sz="2000" b="1" dirty="0">
                 <a:cs typeface="+mn-ea"/>
                 <a:sym typeface="+mn-lt"/>
               </a:rPr>
               <a:t>SIFT+SVM</a:t>
             </a:r>
             <a:r>
-              <a:rPr lang="zh-CN" altLang="en-US" sz="2000" dirty="0" smtClean="0">
+              <a:rPr lang="zh-CN" altLang="en-US" sz="2000" dirty="0">
                 <a:cs typeface="+mn-ea"/>
                 <a:sym typeface="+mn-lt"/>
               </a:rPr>
               <a:t> </a:t>
             </a:r>
-            <a:endParaRPr lang="en-US" altLang="zh-CN" sz="2000" dirty="0" smtClean="0">
+            <a:endParaRPr lang="en-US" altLang="zh-CN" sz="2000" dirty="0">
               <a:cs typeface="+mn-ea"/>
               <a:sym typeface="+mn-lt"/>
             </a:endParaRPr>
@@ -8658,27 +8634,27 @@
               </a:lnSpc>
             </a:pPr>
             <a:r>
-              <a:rPr lang="en-US" altLang="zh-TW" sz="2000" dirty="0" err="1" smtClean="0">
+              <a:rPr lang="en-US" altLang="zh-TW" sz="2000" dirty="0" err="1">
                 <a:cs typeface="+mn-ea"/>
                 <a:sym typeface="+mn-lt"/>
               </a:rPr>
               <a:t>Kmeans</a:t>
             </a:r>
             <a:r>
-              <a:rPr lang="en-US" altLang="zh-TW" sz="2000" dirty="0" smtClean="0">
+              <a:rPr lang="en-US" altLang="zh-TW" sz="2000" dirty="0">
                 <a:cs typeface="+mn-ea"/>
                 <a:sym typeface="+mn-lt"/>
               </a:rPr>
               <a:t> </a:t>
             </a:r>
             <a:r>
-              <a:rPr lang="zh-TW" altLang="en-US" sz="2000" dirty="0" smtClean="0">
+              <a:rPr lang="zh-TW" altLang="en-US" sz="2000" dirty="0">
                 <a:cs typeface="+mn-ea"/>
                 <a:sym typeface="+mn-lt"/>
               </a:rPr>
               <a:t>隨機採樣</a:t>
             </a:r>
-            <a:endParaRPr lang="en-US" altLang="zh-TW" sz="2000" dirty="0" smtClean="0">
+            <a:endParaRPr lang="en-US" altLang="zh-TW" sz="2000" dirty="0">
               <a:cs typeface="+mn-ea"/>
               <a:sym typeface="+mn-lt"/>
             </a:endParaRPr>
@@ -8689,7 +8665,7 @@
                 <a:spcPct val="150000"/>
               </a:lnSpc>
             </a:pPr>
-            <a:endParaRPr lang="en-US" altLang="zh-TW" sz="1600" dirty="0" smtClean="0">
+            <a:endParaRPr lang="en-US" altLang="zh-TW" sz="1600" dirty="0">
               <a:cs typeface="+mn-ea"/>
               <a:sym typeface="+mn-lt"/>
             </a:endParaRPr>
@@ -9070,7 +9046,7 @@
               <a:t> </a:t>
             </a:r>
             <a:r>
-              <a:rPr lang="en-US" altLang="zh-TW" sz="2000" b="1" dirty="0" smtClean="0">
+              <a:rPr lang="en-US" altLang="zh-TW" sz="2000" b="1" dirty="0">
                 <a:cs typeface="+mn-ea"/>
                 <a:sym typeface="+mn-lt"/>
               </a:rPr>
@@ -9134,24 +9110,17 @@
                 <a:cs typeface="+mn-ea"/>
                 <a:sym typeface="+mn-lt"/>
               </a:rPr>
-              <a:t>使用</a:t>
-            </a:r>
-            <a:r>
-              <a:rPr lang="zh-TW" altLang="en-US" sz="3735" dirty="0" smtClean="0">
+              <a:t>使用方法 </a:t>
+            </a:r>
+            <a:r>
+              <a:rPr lang="en-US" altLang="zh-TW" sz="3735" dirty="0">
                 <a:cs typeface="+mn-ea"/>
                 <a:sym typeface="+mn-lt"/>
               </a:rPr>
-              <a:t>方法 </a:t>
-            </a:r>
-            <a:r>
-              <a:rPr lang="en-US" altLang="zh-TW" sz="3735" dirty="0" smtClean="0">
-                <a:cs typeface="+mn-ea"/>
-                <a:sym typeface="+mn-lt"/>
-              </a:rPr>
               <a:t>+</a:t>
             </a:r>
             <a:r>
-              <a:rPr lang="zh-TW" altLang="en-US" sz="3735" dirty="0" smtClean="0">
+              <a:rPr lang="zh-TW" altLang="en-US" sz="3735" dirty="0">
                 <a:cs typeface="+mn-ea"/>
                 <a:sym typeface="+mn-lt"/>
               </a:rPr>
@@ -9199,20 +9168,20 @@
               </a:lnSpc>
             </a:pPr>
             <a:r>
-              <a:rPr lang="en-US" altLang="zh-CN" sz="2000" b="1" dirty="0" smtClean="0">
+              <a:rPr lang="en-US" altLang="zh-CN" sz="2000" b="1" dirty="0">
                 <a:cs typeface="+mn-ea"/>
                 <a:sym typeface="+mn-lt"/>
               </a:rPr>
               <a:t>SIFT+SVM</a:t>
             </a:r>
             <a:r>
-              <a:rPr lang="zh-CN" altLang="en-US" sz="2000" dirty="0" smtClean="0">
+              <a:rPr lang="zh-CN" altLang="en-US" sz="2000" dirty="0">
                 <a:cs typeface="+mn-ea"/>
                 <a:sym typeface="+mn-lt"/>
               </a:rPr>
               <a:t> </a:t>
             </a:r>
-            <a:endParaRPr lang="en-US" altLang="zh-CN" sz="2000" dirty="0" smtClean="0">
+            <a:endParaRPr lang="en-US" altLang="zh-CN" sz="2000" dirty="0">
               <a:cs typeface="+mn-ea"/>
               <a:sym typeface="+mn-lt"/>
             </a:endParaRPr>
@@ -9224,14 +9193,14 @@
               </a:lnSpc>
             </a:pPr>
             <a:r>
-              <a:rPr lang="en-US" altLang="zh-TW" sz="2000" dirty="0" err="1" smtClean="0">
+              <a:rPr lang="en-US" altLang="zh-TW" sz="2000" dirty="0" err="1">
                 <a:cs typeface="+mn-ea"/>
                 <a:sym typeface="+mn-lt"/>
               </a:rPr>
               <a:t>Kmeans</a:t>
             </a:r>
             <a:r>
-              <a:rPr lang="en-US" altLang="zh-TW" sz="2000" dirty="0" smtClean="0">
+              <a:rPr lang="en-US" altLang="zh-TW" sz="2000" dirty="0">
                 <a:cs typeface="+mn-ea"/>
                 <a:sym typeface="+mn-lt"/>
               </a:rPr>
@@ -9242,16 +9211,9 @@
                 <a:cs typeface="+mn-ea"/>
                 <a:sym typeface="+mn-lt"/>
               </a:rPr>
-              <a:t>固定</a:t>
-            </a:r>
-            <a:r>
-              <a:rPr lang="zh-TW" altLang="en-US" sz="2000" dirty="0" smtClean="0">
-                <a:cs typeface="+mn-ea"/>
-                <a:sym typeface="+mn-lt"/>
-              </a:rPr>
-              <a:t>採樣</a:t>
-            </a:r>
-            <a:endParaRPr lang="en-US" altLang="zh-TW" sz="2000" dirty="0" smtClean="0">
+              <a:t>固定採樣</a:t>
+            </a:r>
+            <a:endParaRPr lang="en-US" altLang="zh-TW" sz="2000" dirty="0">
               <a:cs typeface="+mn-ea"/>
               <a:sym typeface="+mn-lt"/>
             </a:endParaRPr>
@@ -9262,7 +9224,7 @@
                 <a:spcPct val="150000"/>
               </a:lnSpc>
             </a:pPr>
-            <a:endParaRPr lang="en-US" altLang="zh-TW" sz="1600" dirty="0" smtClean="0">
+            <a:endParaRPr lang="en-US" altLang="zh-TW" sz="1600" dirty="0">
               <a:cs typeface="+mn-ea"/>
               <a:sym typeface="+mn-lt"/>
             </a:endParaRPr>
@@ -9293,13 +9255,6 @@
   <p:transition advClick="0">
     <p:fade/>
   </p:transition>
-  <p:timing>
-    <p:tnLst>
-      <p:par>
-        <p:cTn id="1" dur="indefinite" restart="never" nodeType="tmRoot"/>
-      </p:par>
-    </p:tnLst>
-  </p:timing>
 </p:sld>
 </file>
 
@@ -9353,21 +9308,7 @@
                 <a:cs typeface="+mn-ea"/>
                 <a:sym typeface="+mn-lt"/>
               </a:rPr>
-              <a:t>程式</a:t>
-            </a:r>
-            <a:r>
-              <a:rPr lang="zh-TW" altLang="en-US" sz="3735" dirty="0" smtClean="0">
-                <a:cs typeface="+mn-ea"/>
-                <a:sym typeface="+mn-lt"/>
-              </a:rPr>
-              <a:t>執行結果</a:t>
-            </a:r>
-            <a:r>
-              <a:rPr lang="zh-TW" altLang="en-US" sz="3735" dirty="0">
-                <a:cs typeface="+mn-ea"/>
-                <a:sym typeface="+mn-lt"/>
-              </a:rPr>
-              <a:t>、準確率</a:t>
+              <a:t>程式執行結果、準確率</a:t>
             </a:r>
             <a:endParaRPr lang="en-US" altLang="zh-CN" sz="3735" dirty="0">
               <a:solidFill>
@@ -9512,23 +9453,14 @@
               <a:rPr lang="zh-TW" altLang="en-US" sz="2400" dirty="0">
                 <a:latin typeface="+mn-ea"/>
               </a:rPr>
-              <a:t>之</a:t>
-            </a:r>
-            <a:r>
-              <a:rPr lang="zh-TW" altLang="en-US" sz="2400" dirty="0" smtClean="0">
+              <a:t>之準確率</a:t>
+            </a:r>
+            <a:r>
+              <a:rPr lang="en-US" altLang="zh-TW" sz="2400" dirty="0">
                 <a:latin typeface="+mn-ea"/>
               </a:rPr>
-              <a:t>準確率</a:t>
-            </a:r>
-            <a:r>
-              <a:rPr lang="en-US" altLang="zh-TW" sz="2400" dirty="0" smtClean="0">
-                <a:latin typeface="+mn-ea"/>
-              </a:rPr>
               <a:t>:</a:t>
             </a:r>
-            <a:endParaRPr lang="en-US" altLang="zh-TW" sz="2400" dirty="0">
-              <a:latin typeface="+mn-ea"/>
-            </a:endParaRPr>
           </a:p>
           <a:p>
             <a:pPr>
@@ -9546,19 +9478,7 @@
               <a:rPr lang="zh-TW" altLang="en-US" sz="2400" dirty="0">
                 <a:latin typeface="+mn-ea"/>
               </a:rPr>
-              <a:t> </a:t>
-            </a:r>
-            <a:r>
-              <a:rPr lang="zh-TW" altLang="en-US" sz="2400" dirty="0" smtClean="0">
-                <a:latin typeface="+mn-ea"/>
-              </a:rPr>
-              <a:t>為</a:t>
-            </a:r>
-            <a:r>
-              <a:rPr lang="zh-TW" altLang="en-US" sz="2400" dirty="0">
-                <a:latin typeface="+mn-ea"/>
-              </a:rPr>
-              <a:t>各十張訓練模型沒看過的圖片</a:t>
+              <a:t> 為各十張訓練模型沒看過的圖片</a:t>
             </a:r>
             <a:endParaRPr lang="en-US" altLang="zh-TW" sz="2400" dirty="0">
               <a:latin typeface="+mn-ea"/>
@@ -9886,14 +9806,14 @@
           <a:p>
             <a:pPr algn="ctr"/>
             <a:r>
-              <a:rPr lang="en-US" altLang="zh-TW" sz="3735" dirty="0" smtClean="0">
+              <a:rPr lang="en-US" altLang="zh-TW" sz="3735" dirty="0">
                 <a:cs typeface="+mn-ea"/>
                 <a:sym typeface="+mn-lt"/>
               </a:rPr>
               <a:t>HOG+SVM </a:t>
             </a:r>
             <a:r>
-              <a:rPr lang="zh-TW" altLang="en-US" sz="3735" dirty="0" smtClean="0">
+              <a:rPr lang="zh-TW" altLang="en-US" sz="3735" dirty="0">
                 <a:cs typeface="+mn-ea"/>
                 <a:sym typeface="+mn-lt"/>
               </a:rPr>
@@ -9942,13 +9862,7 @@
               <a:rPr lang="zh-TW" altLang="en-US" sz="2400" dirty="0">
                 <a:latin typeface="+mn-ea"/>
               </a:rPr>
-              <a:t>情境：進實驗室時的認證</a:t>
-            </a:r>
-            <a:r>
-              <a:rPr lang="zh-TW" altLang="en-US" sz="2400" dirty="0" smtClean="0">
-                <a:latin typeface="+mn-ea"/>
-              </a:rPr>
-              <a:t>系統</a:t>
+              <a:t>情境：進實驗室時的認證系統</a:t>
             </a:r>
             <a:endParaRPr lang="en-US" altLang="zh-TW" sz="2400" dirty="0">
               <a:latin typeface="+mn-ea"/>
@@ -9966,15 +9880,9 @@
               <a:rPr lang="zh-TW" altLang="en-US" sz="2400" dirty="0">
                 <a:latin typeface="+mn-ea"/>
               </a:rPr>
-              <a:t>原因</a:t>
-            </a:r>
-            <a:r>
-              <a:rPr lang="zh-TW" altLang="en-US" sz="2400" dirty="0" smtClean="0">
-                <a:latin typeface="+mn-ea"/>
-              </a:rPr>
-              <a:t>：</a:t>
-            </a:r>
-            <a:endParaRPr lang="en-US" altLang="zh-TW" sz="2400" dirty="0" smtClean="0">
+              <a:t>原因：</a:t>
+            </a:r>
+            <a:endParaRPr lang="en-US" altLang="zh-TW" sz="2400" dirty="0">
               <a:latin typeface="+mn-ea"/>
             </a:endParaRPr>
           </a:p>
@@ -9985,22 +9893,16 @@
               </a:lnSpc>
             </a:pPr>
             <a:r>
-              <a:rPr lang="en-US" altLang="zh-TW" sz="2400" dirty="0" smtClean="0">
+              <a:rPr lang="en-US" altLang="zh-TW" sz="2400" dirty="0">
                 <a:latin typeface="+mn-ea"/>
               </a:rPr>
               <a:t>- </a:t>
-            </a:r>
-            <a:r>
-              <a:rPr lang="zh-TW" altLang="en-US" sz="2400" dirty="0" smtClean="0">
-                <a:latin typeface="+mn-ea"/>
-              </a:rPr>
-              <a:t>對光</a:t>
             </a:r>
             <a:r>
               <a:rPr lang="zh-TW" altLang="en-US" sz="2400" dirty="0">
                 <a:latin typeface="+mn-ea"/>
               </a:rPr>
-              <a:t>影的變化較不敏感</a:t>
+              <a:t>對光影的變化較不敏感</a:t>
             </a:r>
             <a:endParaRPr lang="en-US" altLang="zh-TW" sz="2400" dirty="0">
               <a:latin typeface="+mn-ea"/>
@@ -10013,22 +9915,16 @@
               </a:lnSpc>
             </a:pPr>
             <a:r>
-              <a:rPr lang="en-US" altLang="zh-TW" sz="2400" dirty="0" smtClean="0">
+              <a:rPr lang="en-US" altLang="zh-TW" sz="2400" dirty="0">
                 <a:latin typeface="+mn-ea"/>
               </a:rPr>
               <a:t>- </a:t>
-            </a:r>
-            <a:r>
-              <a:rPr lang="zh-TW" altLang="en-US" sz="2400" dirty="0" smtClean="0">
-                <a:latin typeface="+mn-ea"/>
-              </a:rPr>
-              <a:t>擅</a:t>
             </a:r>
             <a:r>
               <a:rPr lang="zh-TW" altLang="en-US" sz="2400" dirty="0">
                 <a:latin typeface="+mn-ea"/>
               </a:rPr>
-              <a:t>於描繪物件的輪廓</a:t>
+              <a:t>擅於描繪物件的輪廓</a:t>
             </a:r>
           </a:p>
           <a:p>
@@ -10389,25 +10285,13 @@
               <a:rPr lang="en-US" altLang="zh-TW" sz="2400" dirty="0">
                 <a:latin typeface="+mn-ea"/>
               </a:rPr>
-              <a:t> </a:t>
-            </a:r>
-            <a:r>
-              <a:rPr lang="en-US" altLang="zh-TW" sz="2400" dirty="0" smtClean="0">
-                <a:latin typeface="+mn-ea"/>
-              </a:rPr>
-              <a:t>  - </a:t>
-            </a:r>
-            <a:r>
-              <a:rPr lang="zh-TW" altLang="en-US" sz="2400" dirty="0" smtClean="0">
-                <a:latin typeface="+mn-ea"/>
-              </a:rPr>
-              <a:t>檢測</a:t>
+              <a:t>   - </a:t>
             </a:r>
             <a:r>
               <a:rPr lang="zh-TW" altLang="en-US" sz="2400" dirty="0">
                 <a:latin typeface="+mn-ea"/>
               </a:rPr>
-              <a:t>臉部：以眼睛或鼻子為中心偵測</a:t>
+              <a:t>檢測臉部：以眼睛或鼻子為中心偵測</a:t>
             </a:r>
           </a:p>
           <a:p>
@@ -10417,28 +10301,22 @@
               </a:lnSpc>
             </a:pPr>
             <a:r>
-              <a:rPr lang="zh-TW" altLang="en-US" sz="2400" dirty="0" smtClean="0">
-                <a:latin typeface="+mn-ea"/>
-              </a:rPr>
-              <a:t>   </a:t>
-            </a:r>
-            <a:r>
-              <a:rPr lang="en-US" altLang="zh-TW" sz="2400" dirty="0" smtClean="0">
-                <a:latin typeface="+mn-ea"/>
-              </a:rPr>
-              <a:t>-</a:t>
-            </a:r>
-            <a:r>
-              <a:rPr lang="zh-TW" altLang="en-US" sz="2400" dirty="0" smtClean="0">
-                <a:latin typeface="+mn-ea"/>
-              </a:rPr>
-              <a:t> 裁剪</a:t>
-            </a:r>
-            <a:r>
               <a:rPr lang="zh-TW" altLang="en-US" sz="2400" dirty="0">
                 <a:latin typeface="+mn-ea"/>
               </a:rPr>
-              <a:t>臉部的主要部份</a:t>
+              <a:t>   </a:t>
+            </a:r>
+            <a:r>
+              <a:rPr lang="en-US" altLang="zh-TW" sz="2400" dirty="0">
+                <a:latin typeface="+mn-ea"/>
+              </a:rPr>
+              <a:t>-</a:t>
+            </a:r>
+            <a:r>
+              <a:rPr lang="zh-TW" altLang="en-US" sz="2400" dirty="0">
+                <a:latin typeface="+mn-ea"/>
+              </a:rPr>
+              <a:t> 裁剪臉部的主要部份</a:t>
             </a:r>
           </a:p>
           <a:p>
@@ -10448,28 +10326,22 @@
               </a:lnSpc>
             </a:pPr>
             <a:r>
-              <a:rPr lang="zh-TW" altLang="en-US" sz="2400" dirty="0" smtClean="0">
-                <a:latin typeface="+mn-ea"/>
-              </a:rPr>
-              <a:t>   </a:t>
-            </a:r>
-            <a:r>
-              <a:rPr lang="en-US" altLang="zh-TW" sz="2400" dirty="0" smtClean="0">
-                <a:latin typeface="+mn-ea"/>
-              </a:rPr>
-              <a:t>- </a:t>
-            </a:r>
-            <a:r>
-              <a:rPr lang="zh-TW" altLang="en-US" sz="2400" dirty="0" smtClean="0">
-                <a:latin typeface="+mn-ea"/>
-              </a:rPr>
-              <a:t>儲存</a:t>
-            </a:r>
-            <a:r>
               <a:rPr lang="zh-TW" altLang="en-US" sz="2400" dirty="0">
                 <a:latin typeface="+mn-ea"/>
               </a:rPr>
-              <a:t>臉部影像</a:t>
+              <a:t>   </a:t>
+            </a:r>
+            <a:r>
+              <a:rPr lang="en-US" altLang="zh-TW" sz="2400" dirty="0">
+                <a:latin typeface="+mn-ea"/>
+              </a:rPr>
+              <a:t>- </a:t>
+            </a:r>
+            <a:r>
+              <a:rPr lang="zh-TW" altLang="en-US" sz="2400" dirty="0">
+                <a:latin typeface="+mn-ea"/>
+              </a:rPr>
+              <a:t>儲存臉部影像</a:t>
             </a:r>
           </a:p>
           <a:p>
@@ -10501,16 +10373,10 @@
               <a:rPr lang="en-US" altLang="zh-TW" sz="2400" dirty="0">
                 <a:latin typeface="+mn-ea"/>
               </a:rPr>
-              <a:t> </a:t>
-            </a:r>
-            <a:r>
-              <a:rPr lang="en-US" altLang="zh-TW" sz="2400" dirty="0" smtClean="0">
-                <a:latin typeface="+mn-ea"/>
-              </a:rPr>
-              <a:t>   - </a:t>
-            </a:r>
-            <a:r>
-              <a:rPr lang="zh-TW" altLang="en-US" sz="2400" dirty="0" smtClean="0">
+              <a:t>    - </a:t>
+            </a:r>
+            <a:r>
+              <a:rPr lang="zh-TW" altLang="en-US" sz="2400" dirty="0">
                 <a:latin typeface="+mn-ea"/>
               </a:rPr>
               <a:t>使用</a:t>
@@ -10556,17 +10422,8 @@
               <a:rPr lang="zh-TW" altLang="en-US" sz="2400" dirty="0">
                 <a:latin typeface="+mn-ea"/>
               </a:rPr>
-              <a:t>臉部</a:t>
-            </a:r>
-            <a:r>
-              <a:rPr lang="zh-TW" altLang="en-US" sz="2400" dirty="0" smtClean="0">
-                <a:latin typeface="+mn-ea"/>
-              </a:rPr>
-              <a:t>辨識</a:t>
-            </a:r>
-            <a:endParaRPr lang="zh-TW" altLang="en-US" sz="2400" dirty="0">
-              <a:latin typeface="+mn-ea"/>
-            </a:endParaRPr>
+              <a:t>臉部辨識</a:t>
+            </a:r>
           </a:p>
         </p:txBody>
       </p:sp>
